--- a/Bootcamp _Campstone1_Project.pptx
+++ b/Bootcamp _Campstone1_Project.pptx
@@ -135,7 +135,7 @@
 <file path=ppt/revisionInfo.xml><?xml version="1.0" encoding="utf-8"?>
 <p1510:revInfo xmlns:a="http://schemas.openxmlformats.org/drawingml/2006/main" xmlns:r="http://schemas.openxmlformats.org/officeDocument/2006/relationships" xmlns:p1510="http://schemas.microsoft.com/office/powerpoint/2015/10/main">
   <p1510:revLst>
-    <p1510:client id="{BED68BDC-8325-4F28-B18B-6D18BF1EA9CF}" v="2" dt="2021-08-03T00:49:43.997"/>
+    <p1510:client id="{BED68BDC-8325-4F28-B18B-6D18BF1EA9CF}" v="22" dt="2021-08-03T19:30:59.783"/>
   </p1510:revLst>
 </p1510:revInfo>
 </file>
@@ -144,11 +144,26 @@
 <pc:chgInfo xmlns:a="http://schemas.openxmlformats.org/drawingml/2006/main" xmlns:r="http://schemas.openxmlformats.org/officeDocument/2006/relationships" xmlns:ac="http://schemas.microsoft.com/office/drawing/2013/main/command" xmlns:pc="http://schemas.microsoft.com/office/powerpoint/2013/main/command">
   <pc:docChgLst>
     <pc:chgData name="Hutula, Karina" userId="76360105-4658-44a5-a2e4-d25da711b3ec" providerId="ADAL" clId="{BED68BDC-8325-4F28-B18B-6D18BF1EA9CF}"/>
-    <pc:docChg chg="custSel addSld modSld sldOrd">
-      <pc:chgData name="Hutula, Karina" userId="76360105-4658-44a5-a2e4-d25da711b3ec" providerId="ADAL" clId="{BED68BDC-8325-4F28-B18B-6D18BF1EA9CF}" dt="2021-08-03T00:50:12.506" v="29" actId="20577"/>
+    <pc:docChg chg="undo custSel addSld modSld sldOrd">
+      <pc:chgData name="Hutula, Karina" userId="76360105-4658-44a5-a2e4-d25da711b3ec" providerId="ADAL" clId="{BED68BDC-8325-4F28-B18B-6D18BF1EA9CF}" dt="2021-08-03T19:37:56.651" v="2411"/>
       <pc:docMkLst>
         <pc:docMk/>
       </pc:docMkLst>
+      <pc:sldChg chg="modSp mod">
+        <pc:chgData name="Hutula, Karina" userId="76360105-4658-44a5-a2e4-d25da711b3ec" providerId="ADAL" clId="{BED68BDC-8325-4F28-B18B-6D18BF1EA9CF}" dt="2021-08-03T18:12:17.208" v="40" actId="20577"/>
+        <pc:sldMkLst>
+          <pc:docMk/>
+          <pc:sldMk cId="2598184956" sldId="258"/>
+        </pc:sldMkLst>
+        <pc:spChg chg="mod">
+          <ac:chgData name="Hutula, Karina" userId="76360105-4658-44a5-a2e4-d25da711b3ec" providerId="ADAL" clId="{BED68BDC-8325-4F28-B18B-6D18BF1EA9CF}" dt="2021-08-03T18:12:17.208" v="40" actId="20577"/>
+          <ac:spMkLst>
+            <pc:docMk/>
+            <pc:sldMk cId="2598184956" sldId="258"/>
+            <ac:spMk id="3" creationId="{00000000-0000-0000-0000-000000000000}"/>
+          </ac:spMkLst>
+        </pc:spChg>
+      </pc:sldChg>
       <pc:sldChg chg="modNotesTx">
         <pc:chgData name="Hutula, Karina" userId="76360105-4658-44a5-a2e4-d25da711b3ec" providerId="ADAL" clId="{BED68BDC-8325-4F28-B18B-6D18BF1EA9CF}" dt="2021-08-03T00:37:42.763" v="11" actId="20577"/>
         <pc:sldMkLst>
@@ -156,14 +171,108 @@
           <pc:sldMk cId="2750581677" sldId="259"/>
         </pc:sldMkLst>
       </pc:sldChg>
-      <pc:sldChg chg="modSp mod">
-        <pc:chgData name="Hutula, Karina" userId="76360105-4658-44a5-a2e4-d25da711b3ec" providerId="ADAL" clId="{BED68BDC-8325-4F28-B18B-6D18BF1EA9CF}" dt="2021-08-03T00:48:48.681" v="14" actId="20577"/>
+      <pc:sldChg chg="modNotesTx">
+        <pc:chgData name="Hutula, Karina" userId="76360105-4658-44a5-a2e4-d25da711b3ec" providerId="ADAL" clId="{BED68BDC-8325-4F28-B18B-6D18BF1EA9CF}" dt="2021-08-03T19:32:44.746" v="1890" actId="20577"/>
+        <pc:sldMkLst>
+          <pc:docMk/>
+          <pc:sldMk cId="995707058" sldId="266"/>
+        </pc:sldMkLst>
+      </pc:sldChg>
+      <pc:sldChg chg="addSp modSp mod ord modNotesTx">
+        <pc:chgData name="Hutula, Karina" userId="76360105-4658-44a5-a2e4-d25da711b3ec" providerId="ADAL" clId="{BED68BDC-8325-4F28-B18B-6D18BF1EA9CF}" dt="2021-08-03T19:37:56.651" v="2411"/>
+        <pc:sldMkLst>
+          <pc:docMk/>
+          <pc:sldMk cId="3405433858" sldId="270"/>
+        </pc:sldMkLst>
+        <pc:spChg chg="mod">
+          <ac:chgData name="Hutula, Karina" userId="76360105-4658-44a5-a2e4-d25da711b3ec" providerId="ADAL" clId="{BED68BDC-8325-4F28-B18B-6D18BF1EA9CF}" dt="2021-08-03T19:23:06.840" v="1496" actId="20577"/>
+          <ac:spMkLst>
+            <pc:docMk/>
+            <pc:sldMk cId="3405433858" sldId="270"/>
+            <ac:spMk id="2" creationId="{00000000-0000-0000-0000-000000000000}"/>
+          </ac:spMkLst>
+        </pc:spChg>
+        <pc:spChg chg="add mod">
+          <ac:chgData name="Hutula, Karina" userId="76360105-4658-44a5-a2e4-d25da711b3ec" providerId="ADAL" clId="{BED68BDC-8325-4F28-B18B-6D18BF1EA9CF}" dt="2021-08-03T18:53:15.825" v="763" actId="1076"/>
+          <ac:spMkLst>
+            <pc:docMk/>
+            <pc:sldMk cId="3405433858" sldId="270"/>
+            <ac:spMk id="3" creationId="{961424EF-6156-4877-9C70-44BC0AE31906}"/>
+          </ac:spMkLst>
+        </pc:spChg>
+        <pc:spChg chg="add mod">
+          <ac:chgData name="Hutula, Karina" userId="76360105-4658-44a5-a2e4-d25da711b3ec" providerId="ADAL" clId="{BED68BDC-8325-4F28-B18B-6D18BF1EA9CF}" dt="2021-08-03T18:53:37.865" v="772" actId="1037"/>
+          <ac:spMkLst>
+            <pc:docMk/>
+            <pc:sldMk cId="3405433858" sldId="270"/>
+            <ac:spMk id="5" creationId="{DA5F23C7-D6A3-4AE0-91B6-91D2F41C42C1}"/>
+          </ac:spMkLst>
+        </pc:spChg>
+        <pc:spChg chg="add mod">
+          <ac:chgData name="Hutula, Karina" userId="76360105-4658-44a5-a2e4-d25da711b3ec" providerId="ADAL" clId="{BED68BDC-8325-4F28-B18B-6D18BF1EA9CF}" dt="2021-08-03T18:53:27.388" v="766" actId="1076"/>
+          <ac:spMkLst>
+            <pc:docMk/>
+            <pc:sldMk cId="3405433858" sldId="270"/>
+            <ac:spMk id="6" creationId="{44964CCE-D179-4C8C-A47F-B9DA35152506}"/>
+          </ac:spMkLst>
+        </pc:spChg>
+        <pc:spChg chg="add mod">
+          <ac:chgData name="Hutula, Karina" userId="76360105-4658-44a5-a2e4-d25da711b3ec" providerId="ADAL" clId="{BED68BDC-8325-4F28-B18B-6D18BF1EA9CF}" dt="2021-08-03T18:57:11.928" v="929" actId="1036"/>
+          <ac:spMkLst>
+            <pc:docMk/>
+            <pc:sldMk cId="3405433858" sldId="270"/>
+            <ac:spMk id="7" creationId="{1650B397-EC4D-45B3-B9EB-DEE1E3DBD05B}"/>
+          </ac:spMkLst>
+        </pc:spChg>
+        <pc:spChg chg="add mod">
+          <ac:chgData name="Hutula, Karina" userId="76360105-4658-44a5-a2e4-d25da711b3ec" providerId="ADAL" clId="{BED68BDC-8325-4F28-B18B-6D18BF1EA9CF}" dt="2021-08-03T19:03:07.967" v="1047" actId="1035"/>
+          <ac:spMkLst>
+            <pc:docMk/>
+            <pc:sldMk cId="3405433858" sldId="270"/>
+            <ac:spMk id="8" creationId="{D66985B0-1644-4BC5-B8ED-5E1BE19D76A2}"/>
+          </ac:spMkLst>
+        </pc:spChg>
+        <pc:spChg chg="add mod">
+          <ac:chgData name="Hutula, Karina" userId="76360105-4658-44a5-a2e4-d25da711b3ec" providerId="ADAL" clId="{BED68BDC-8325-4F28-B18B-6D18BF1EA9CF}" dt="2021-08-03T19:11:29.940" v="1272" actId="1076"/>
+          <ac:spMkLst>
+            <pc:docMk/>
+            <pc:sldMk cId="3405433858" sldId="270"/>
+            <ac:spMk id="10" creationId="{B669AD81-6E98-41C0-B3B5-383B7D10AA6A}"/>
+          </ac:spMkLst>
+        </pc:spChg>
+        <pc:spChg chg="add mod">
+          <ac:chgData name="Hutula, Karina" userId="76360105-4658-44a5-a2e4-d25da711b3ec" providerId="ADAL" clId="{BED68BDC-8325-4F28-B18B-6D18BF1EA9CF}" dt="2021-08-03T19:03:12.751" v="1049" actId="1036"/>
+          <ac:spMkLst>
+            <pc:docMk/>
+            <pc:sldMk cId="3405433858" sldId="270"/>
+            <ac:spMk id="11" creationId="{390FD54A-8B82-45BC-88EB-0ED5ACA74ACD}"/>
+          </ac:spMkLst>
+        </pc:spChg>
+        <pc:spChg chg="add mod">
+          <ac:chgData name="Hutula, Karina" userId="76360105-4658-44a5-a2e4-d25da711b3ec" providerId="ADAL" clId="{BED68BDC-8325-4F28-B18B-6D18BF1EA9CF}" dt="2021-08-03T19:03:03.182" v="1044" actId="1035"/>
+          <ac:spMkLst>
+            <pc:docMk/>
+            <pc:sldMk cId="3405433858" sldId="270"/>
+            <ac:spMk id="12" creationId="{28D287AE-0F77-41A3-B378-7CA0C01BA00C}"/>
+          </ac:spMkLst>
+        </pc:spChg>
+        <pc:picChg chg="mod">
+          <ac:chgData name="Hutula, Karina" userId="76360105-4658-44a5-a2e4-d25da711b3ec" providerId="ADAL" clId="{BED68BDC-8325-4F28-B18B-6D18BF1EA9CF}" dt="2021-08-03T19:02:55.878" v="1042" actId="1076"/>
+          <ac:picMkLst>
+            <pc:docMk/>
+            <pc:sldMk cId="3405433858" sldId="270"/>
+            <ac:picMk id="9" creationId="{57C5A078-F117-48AD-95D3-84A9B81ECBF8}"/>
+          </ac:picMkLst>
+        </pc:picChg>
+      </pc:sldChg>
+      <pc:sldChg chg="modSp mod modNotesTx">
+        <pc:chgData name="Hutula, Karina" userId="76360105-4658-44a5-a2e4-d25da711b3ec" providerId="ADAL" clId="{BED68BDC-8325-4F28-B18B-6D18BF1EA9CF}" dt="2021-08-03T18:18:33.503" v="288" actId="20577"/>
         <pc:sldMkLst>
           <pc:docMk/>
           <pc:sldMk cId="2802343241" sldId="271"/>
         </pc:sldMkLst>
         <pc:spChg chg="mod">
-          <ac:chgData name="Hutula, Karina" userId="76360105-4658-44a5-a2e4-d25da711b3ec" providerId="ADAL" clId="{BED68BDC-8325-4F28-B18B-6D18BF1EA9CF}" dt="2021-08-03T00:48:48.681" v="14" actId="20577"/>
+          <ac:chgData name="Hutula, Karina" userId="76360105-4658-44a5-a2e4-d25da711b3ec" providerId="ADAL" clId="{BED68BDC-8325-4F28-B18B-6D18BF1EA9CF}" dt="2021-08-03T18:13:58.763" v="115" actId="20577"/>
           <ac:spMkLst>
             <pc:docMk/>
             <pc:sldMk cId="2802343241" sldId="271"/>
@@ -172,11 +281,33 @@
         </pc:spChg>
       </pc:sldChg>
       <pc:sldChg chg="ord modNotesTx">
-        <pc:chgData name="Hutula, Karina" userId="76360105-4658-44a5-a2e4-d25da711b3ec" providerId="ADAL" clId="{BED68BDC-8325-4F28-B18B-6D18BF1EA9CF}" dt="2021-08-03T00:29:40.119" v="9" actId="20577"/>
+        <pc:chgData name="Hutula, Karina" userId="76360105-4658-44a5-a2e4-d25da711b3ec" providerId="ADAL" clId="{BED68BDC-8325-4F28-B18B-6D18BF1EA9CF}" dt="2021-08-03T18:48:19.301" v="736" actId="20577"/>
         <pc:sldMkLst>
           <pc:docMk/>
           <pc:sldMk cId="221715228" sldId="274"/>
         </pc:sldMkLst>
+      </pc:sldChg>
+      <pc:sldChg chg="modNotesTx">
+        <pc:chgData name="Hutula, Karina" userId="76360105-4658-44a5-a2e4-d25da711b3ec" providerId="ADAL" clId="{BED68BDC-8325-4F28-B18B-6D18BF1EA9CF}" dt="2021-08-03T19:36:09.363" v="2393" actId="6549"/>
+        <pc:sldMkLst>
+          <pc:docMk/>
+          <pc:sldMk cId="2826774757" sldId="275"/>
+        </pc:sldMkLst>
+      </pc:sldChg>
+      <pc:sldChg chg="modSp mod ord">
+        <pc:chgData name="Hutula, Karina" userId="76360105-4658-44a5-a2e4-d25da711b3ec" providerId="ADAL" clId="{BED68BDC-8325-4F28-B18B-6D18BF1EA9CF}" dt="2021-08-03T19:37:39.451" v="2409"/>
+        <pc:sldMkLst>
+          <pc:docMk/>
+          <pc:sldMk cId="1311034072" sldId="276"/>
+        </pc:sldMkLst>
+        <pc:spChg chg="mod">
+          <ac:chgData name="Hutula, Karina" userId="76360105-4658-44a5-a2e4-d25da711b3ec" providerId="ADAL" clId="{BED68BDC-8325-4F28-B18B-6D18BF1EA9CF}" dt="2021-08-03T19:13:48.226" v="1493" actId="27636"/>
+          <ac:spMkLst>
+            <pc:docMk/>
+            <pc:sldMk cId="1311034072" sldId="276"/>
+            <ac:spMk id="4" creationId="{CC4B83CA-A01A-40A4-8810-68F62E974869}"/>
+          </ac:spMkLst>
+        </pc:spChg>
       </pc:sldChg>
       <pc:sldChg chg="addSp delSp modSp add mod setBg modNotesTx">
         <pc:chgData name="Hutula, Karina" userId="76360105-4658-44a5-a2e4-d25da711b3ec" providerId="ADAL" clId="{BED68BDC-8325-4F28-B18B-6D18BF1EA9CF}" dt="2021-08-03T00:50:12.506" v="29" actId="20577"/>
@@ -312,7 +443,7 @@
           <a:p>
             <a:fld id="{21049CEB-9E4C-413A-AD09-B5895B6CEEBE}" type="datetimeFigureOut">
               <a:rPr lang="en-US" smtClean="0"/>
-              <a:t>8/2/2021</a:t>
+              <a:t>8/3/2021</a:t>
             </a:fld>
             <a:endParaRPr lang="en-US"/>
           </a:p>
@@ -1031,19 +1162,11 @@
             </a:pPr>
             <a:r>
               <a:rPr lang="en-US" dirty="0"/>
-              <a:t>Going with our thoughts, we believed we would </a:t>
+              <a:t>Along with our thoughts on punts, we believed we would see less plays for loss over time because of the increase in offensive yards. This chart, however, shows a moderately correlated, increasing trend over time.  Though this trend is contrary to our hypothesis, </a:t>
             </a:r>
             <a:r>
               <a:rPr lang="en-US" baseline="0" dirty="0"/>
-              <a:t>see less plays for loss over time because the offensive yards per game have been increasing. However, t</a:t>
-            </a:r>
-            <a:r>
-              <a:rPr lang="en-US" dirty="0"/>
-              <a:t>his</a:t>
-            </a:r>
-            <a:r>
-              <a:rPr lang="en-US" baseline="0" dirty="0"/>
-              <a:t> chart is showing that plays for loss are trending upwards with a correlation of 0.65.  This trend is contrary to our hypothesis, however, plays for loss could be a result of more possessions by the offense or increase games speed leading to more plays. Further analysis would be needed to further investigate if the pace of play is changing and how it may be impacting the game.</a:t>
+              <a:t>plays for loss could be a result of more possessions by the offense or an increase game speed, which leads to more plays overall. Further analysis would be needed to investigate if the pace of play is changing and how it may be impacting the game.</a:t>
             </a:r>
             <a:endParaRPr lang="en-US" dirty="0"/>
           </a:p>
@@ -1134,16 +1257,59 @@
           <a:p>
             <a:r>
               <a:rPr lang="en-US" dirty="0"/>
-              <a:t>Karina</a:t>
+              <a:t>Another way to qualify defensive value is by looking at the number of offensive explosive plays per game.</a:t>
             </a:r>
           </a:p>
           <a:p>
             <a:endParaRPr lang="en-US" dirty="0"/>
           </a:p>
           <a:p>
+            <a:pPr marL="0" marR="0" lvl="0" indent="0" algn="l" defTabSz="914400" rtl="0" eaLnBrk="1" fontAlgn="auto" latinLnBrk="0" hangingPunct="1">
+              <a:lnSpc>
+                <a:spcPct val="100000"/>
+              </a:lnSpc>
+              <a:spcBef>
+                <a:spcPts val="0"/>
+              </a:spcBef>
+              <a:spcAft>
+                <a:spcPts val="0"/>
+              </a:spcAft>
+              <a:buClrTx/>
+              <a:buSzTx/>
+              <a:buFontTx/>
+              <a:buNone/>
+              <a:tabLst/>
+              <a:defRPr/>
+            </a:pPr>
             <a:r>
               <a:rPr lang="en-US" dirty="0"/>
-              <a:t>To try to test our theory of an increased game pace, we wanted to look at the number of explosive plays on the offense. We defined an explosive play as a running play that goes for 20 or more yards and a passing play that goes for 30 or more yards. As seen, the number of explosive plays have increased significantly which could also drive the number of possessions each team has leading to a gain in both plays for loss and punts.</a:t>
+              <a:t>We defined an explosive play as a running play that goes for 20 or more yards and a passing play that goes for 30 or more yards.</a:t>
+            </a:r>
+          </a:p>
+          <a:p>
+            <a:pPr marL="0" marR="0" lvl="0" indent="0" algn="l" defTabSz="914400" rtl="0" eaLnBrk="1" fontAlgn="auto" latinLnBrk="0" hangingPunct="1">
+              <a:lnSpc>
+                <a:spcPct val="100000"/>
+              </a:lnSpc>
+              <a:spcBef>
+                <a:spcPts val="0"/>
+              </a:spcBef>
+              <a:spcAft>
+                <a:spcPts val="0"/>
+              </a:spcAft>
+              <a:buClrTx/>
+              <a:buSzTx/>
+              <a:buFontTx/>
+              <a:buNone/>
+              <a:tabLst/>
+              <a:defRPr/>
+            </a:pPr>
+            <a:endParaRPr lang="en-US" dirty="0"/>
+          </a:p>
+          <a:p>
+            <a:r>
+              <a:rPr lang="en-US" dirty="0"/>
+              <a:t>Our expectation was that explosive plays would be increasing over the years, and we’ve been proven correct with a correlation of 0.95.</a:t>
             </a:r>
           </a:p>
         </p:txBody>
@@ -1230,7 +1396,34 @@
           <a:p>
             <a:r>
               <a:rPr lang="en-US" dirty="0"/>
-              <a:t>Another way we wanted to see if game play speed has increased was by paying attention to the number of plays that happened each game. What we saw was that there was a moderate incline in the number of plays that happened per game in addition to the explosive plays we previously looked at.</a:t>
+              <a:t>To take it one step further, we wanted to see how standard plays have changed over time.  </a:t>
+            </a:r>
+          </a:p>
+          <a:p>
+            <a:endParaRPr lang="en-US" dirty="0"/>
+          </a:p>
+          <a:p>
+            <a:r>
+              <a:rPr lang="en-US" dirty="0"/>
+              <a:t>Standard plays are defined as anything not categorized as a loss or explosive.</a:t>
+            </a:r>
+          </a:p>
+          <a:p>
+            <a:endParaRPr lang="en-US" dirty="0"/>
+          </a:p>
+          <a:p>
+            <a:r>
+              <a:rPr lang="en-US" dirty="0"/>
+              <a:t>We would have expected to see a relatively flat line here, but we are again seeing a moderate increase.</a:t>
+            </a:r>
+          </a:p>
+          <a:p>
+            <a:endParaRPr lang="en-US" dirty="0"/>
+          </a:p>
+          <a:p>
+            <a:r>
+              <a:rPr lang="en-US" dirty="0"/>
+              <a:t>Interestingly, all three play categories have increased over time. This is another piece of evidence to encourage future investigation into change of game pace.</a:t>
             </a:r>
           </a:p>
         </p:txBody>
@@ -1317,8 +1510,179 @@
           <a:p>
             <a:r>
               <a:rPr lang="en-US" dirty="0"/>
-              <a:t>From our data, we were able to conclude that the defensive value has declined statistically over the years. Even with our individual favorite teams, all being championship game winners within this time frame, we can see 2 of the 3 teams have declined defensively. When we look at this data, we see that defense is still needed to be a championship contender even if the offensive stats are over-powering.</a:t>
-            </a:r>
+              <a:t>From our previous data, we were able to conclude that the average defensive value has declined statistically over the years. </a:t>
+            </a:r>
+          </a:p>
+          <a:p>
+            <a:endParaRPr lang="en-US" dirty="0"/>
+          </a:p>
+          <a:p>
+            <a:r>
+              <a:rPr lang="en-US" dirty="0"/>
+              <a:t>Even with our individual favorite teams, all being championship game winners within this time frame, we can see 2 of the 3 teams have declined defensively. </a:t>
+            </a:r>
+          </a:p>
+          <a:p>
+            <a:endParaRPr lang="en-US" dirty="0"/>
+          </a:p>
+          <a:p>
+            <a:r>
+              <a:rPr lang="en-US" dirty="0"/>
+              <a:t>When we look at this data, we see that defense is still needed to be a championship contender even if the offensive stats are over-powering.</a:t>
+            </a:r>
+          </a:p>
+          <a:p>
+            <a:endParaRPr lang="en-US" dirty="0"/>
+          </a:p>
+          <a:p>
+            <a:r>
+              <a:rPr lang="en-US" dirty="0"/>
+              <a:t>Florida:</a:t>
+            </a:r>
+          </a:p>
+          <a:p>
+            <a:pPr marL="171450" indent="-171450">
+              <a:buFont typeface="Arial" panose="020B0604020202020204" pitchFamily="34" charset="0"/>
+              <a:buChar char="•"/>
+            </a:pPr>
+            <a:r>
+              <a:rPr lang="en-US" dirty="0"/>
+              <a:t>2006 SEC Champs, BCS Champs</a:t>
+            </a:r>
+          </a:p>
+          <a:p>
+            <a:pPr marL="171450" indent="-171450">
+              <a:buFont typeface="Arial" panose="020B0604020202020204" pitchFamily="34" charset="0"/>
+              <a:buChar char="•"/>
+            </a:pPr>
+            <a:r>
+              <a:rPr lang="en-US" dirty="0"/>
+              <a:t>2008 SEC Champs, BCS Champs</a:t>
+            </a:r>
+          </a:p>
+          <a:p>
+            <a:pPr marL="171450" indent="-171450">
+              <a:buFont typeface="Arial" panose="020B0604020202020204" pitchFamily="34" charset="0"/>
+              <a:buChar char="•"/>
+            </a:pPr>
+            <a:r>
+              <a:rPr lang="en-US" dirty="0"/>
+              <a:t>2009 SEC East Champs, No 3 Final Ranking</a:t>
+            </a:r>
+          </a:p>
+          <a:p>
+            <a:pPr marL="171450" indent="-171450">
+              <a:buFont typeface="Arial" panose="020B0604020202020204" pitchFamily="34" charset="0"/>
+              <a:buChar char="•"/>
+            </a:pPr>
+            <a:endParaRPr lang="en-US" dirty="0"/>
+          </a:p>
+          <a:p>
+            <a:pPr marL="0" indent="0">
+              <a:buFont typeface="Arial" panose="020B0604020202020204" pitchFamily="34" charset="0"/>
+              <a:buNone/>
+            </a:pPr>
+            <a:r>
+              <a:rPr lang="en-US" dirty="0"/>
+              <a:t>FSU:</a:t>
+            </a:r>
+          </a:p>
+          <a:p>
+            <a:pPr marL="171450" indent="-171450">
+              <a:buFont typeface="Arial" panose="020B0604020202020204" pitchFamily="34" charset="0"/>
+              <a:buChar char="•"/>
+            </a:pPr>
+            <a:r>
+              <a:rPr lang="en-US" dirty="0"/>
+              <a:t>2013: ACC Champs, National Champs</a:t>
+            </a:r>
+          </a:p>
+          <a:p>
+            <a:pPr marL="171450" indent="-171450">
+              <a:buFont typeface="Arial" panose="020B0604020202020204" pitchFamily="34" charset="0"/>
+              <a:buChar char="•"/>
+            </a:pPr>
+            <a:endParaRPr lang="en-US" dirty="0"/>
+          </a:p>
+          <a:p>
+            <a:pPr marL="0" indent="0">
+              <a:buFont typeface="Arial" panose="020B0604020202020204" pitchFamily="34" charset="0"/>
+              <a:buNone/>
+            </a:pPr>
+            <a:r>
+              <a:rPr lang="en-US" dirty="0"/>
+              <a:t>Clemson:</a:t>
+            </a:r>
+          </a:p>
+          <a:p>
+            <a:pPr marL="171450" indent="-171450">
+              <a:buFont typeface="Arial" panose="020B0604020202020204" pitchFamily="34" charset="0"/>
+              <a:buChar char="•"/>
+            </a:pPr>
+            <a:r>
+              <a:rPr lang="en-US" dirty="0"/>
+              <a:t>2015: ACC Champs, National Champ Runner Up</a:t>
+            </a:r>
+          </a:p>
+          <a:p>
+            <a:pPr marL="171450" indent="-171450">
+              <a:buFont typeface="Arial" panose="020B0604020202020204" pitchFamily="34" charset="0"/>
+              <a:buChar char="•"/>
+            </a:pPr>
+            <a:r>
+              <a:rPr lang="en-US" dirty="0"/>
+              <a:t>2016: ACC Champs, National Champs</a:t>
+            </a:r>
+          </a:p>
+          <a:p>
+            <a:pPr marL="171450" indent="-171450">
+              <a:buFont typeface="Arial" panose="020B0604020202020204" pitchFamily="34" charset="0"/>
+              <a:buChar char="•"/>
+            </a:pPr>
+            <a:r>
+              <a:rPr lang="en-US" dirty="0"/>
+              <a:t>2017: ACC Champs, CFB Playoffs</a:t>
+            </a:r>
+          </a:p>
+          <a:p>
+            <a:pPr marL="171450" indent="-171450">
+              <a:buFont typeface="Arial" panose="020B0604020202020204" pitchFamily="34" charset="0"/>
+              <a:buChar char="•"/>
+            </a:pPr>
+            <a:r>
+              <a:rPr lang="en-US" dirty="0"/>
+              <a:t>2018: ACC Champs, National Champs</a:t>
+            </a:r>
+          </a:p>
+          <a:p>
+            <a:pPr marL="171450" marR="0" lvl="0" indent="-171450" algn="l" defTabSz="914400" rtl="0" eaLnBrk="1" fontAlgn="auto" latinLnBrk="0" hangingPunct="1">
+              <a:lnSpc>
+                <a:spcPct val="100000"/>
+              </a:lnSpc>
+              <a:spcBef>
+                <a:spcPts val="0"/>
+              </a:spcBef>
+              <a:spcAft>
+                <a:spcPts val="0"/>
+              </a:spcAft>
+              <a:buClrTx/>
+              <a:buSzTx/>
+              <a:buFont typeface="Arial" panose="020B0604020202020204" pitchFamily="34" charset="0"/>
+              <a:buChar char="•"/>
+              <a:tabLst/>
+              <a:defRPr/>
+            </a:pPr>
+            <a:r>
+              <a:rPr lang="en-US" dirty="0"/>
+              <a:t>2019: ACC Champs, National Champ Runner Up</a:t>
+            </a:r>
+          </a:p>
+          <a:p>
+            <a:pPr marL="171450" indent="-171450">
+              <a:buFont typeface="Arial" panose="020B0604020202020204" pitchFamily="34" charset="0"/>
+              <a:buChar char="•"/>
+            </a:pPr>
+            <a:endParaRPr lang="en-US" dirty="0"/>
           </a:p>
         </p:txBody>
       </p:sp>
@@ -1488,11 +1852,110 @@
           <a:p>
             <a:r>
               <a:rPr lang="en-US" dirty="0"/>
-              <a:t>To be transparent, there were a few limitations in our dataset when we went to pull our data. We did not account for any rule or gameplay changes; we went solely off of stats. One of the main reasons we looked at most of our data from 2004-2020 was because a lot of the data we originally wanted were not available in the years prior to 2004 </a:t>
+              <a:t>For continuity of story, we wanted to present our limitations last. </a:t>
+            </a:r>
+          </a:p>
+          <a:p>
+            <a:endParaRPr lang="en-US" dirty="0"/>
+          </a:p>
+          <a:p>
+            <a:r>
+              <a:rPr lang="en-US" dirty="0"/>
+              <a:t>To be transparent, there were a few limitations in our dataset when we went to pull our data. </a:t>
+            </a:r>
+          </a:p>
+          <a:p>
+            <a:endParaRPr lang="en-US" dirty="0"/>
+          </a:p>
+          <a:p>
+            <a:r>
+              <a:rPr lang="en-US" dirty="0"/>
+              <a:t>One of the main reasons we looked at most of our data from 2004-2020 was because a lot of the data we originally wanted was not available in the years prior to 2004, so we were forced to narrow our scope of evaluation</a:t>
             </a:r>
             <a:r>
               <a:rPr lang="en-US" baseline="0" dirty="0"/>
-              <a:t>that is why we narrowed the scope of our evaluation. When using the data for points, we didn’t account for how the points were made including defensive scoring, special team scoring, safeties and field goals. We also didn’t account for the increase of the number of games from conference championship games, playoffs and bowl games. The total yards aren’t broken down into passing or running yards. Our turnover data isn’t split into whether they were fumbles for loss or interceptions. The explosive play data didn’t specify whether yards were lost before the explosive play happened within the same drive. In addition, we did not separate who or where the data was pulled as far as teams and conferences.</a:t>
+              <a:t>. </a:t>
+            </a:r>
+          </a:p>
+          <a:p>
+            <a:endParaRPr lang="en-US" baseline="0" dirty="0"/>
+          </a:p>
+          <a:p>
+            <a:pPr marL="0" marR="0" lvl="0" indent="0" algn="l" defTabSz="914400" rtl="0" eaLnBrk="1" fontAlgn="auto" latinLnBrk="0" hangingPunct="1">
+              <a:lnSpc>
+                <a:spcPct val="100000"/>
+              </a:lnSpc>
+              <a:spcBef>
+                <a:spcPts val="0"/>
+              </a:spcBef>
+              <a:spcAft>
+                <a:spcPts val="0"/>
+              </a:spcAft>
+              <a:buClrTx/>
+              <a:buSzTx/>
+              <a:buFontTx/>
+              <a:buNone/>
+              <a:tabLst/>
+              <a:defRPr/>
+            </a:pPr>
+            <a:r>
+              <a:rPr lang="en-US" dirty="0"/>
+              <a:t>We did not account for any rule or gameplay changes; we went solely off of stats. </a:t>
+            </a:r>
+            <a:endParaRPr lang="en-US" baseline="0" dirty="0"/>
+          </a:p>
+          <a:p>
+            <a:endParaRPr lang="en-US" baseline="0" dirty="0"/>
+          </a:p>
+          <a:p>
+            <a:r>
+              <a:rPr lang="en-US" baseline="0" dirty="0"/>
+              <a:t>When using the data for points, we didn’t account for how the points were made including defensive scoring, special team scoring, safeties and field goals. </a:t>
+            </a:r>
+          </a:p>
+          <a:p>
+            <a:endParaRPr lang="en-US" baseline="0" dirty="0"/>
+          </a:p>
+          <a:p>
+            <a:r>
+              <a:rPr lang="en-US" baseline="0" dirty="0"/>
+              <a:t>The dataset didn’t include playoffs and bowl games. </a:t>
+            </a:r>
+          </a:p>
+          <a:p>
+            <a:endParaRPr lang="en-US" baseline="0" dirty="0"/>
+          </a:p>
+          <a:p>
+            <a:r>
+              <a:rPr lang="en-US" baseline="0" dirty="0"/>
+              <a:t>The total yards aren’t broken down into passing or running yards. </a:t>
+            </a:r>
+          </a:p>
+          <a:p>
+            <a:endParaRPr lang="en-US" baseline="0" dirty="0"/>
+          </a:p>
+          <a:p>
+            <a:r>
+              <a:rPr lang="en-US" baseline="0" dirty="0"/>
+              <a:t>Our turnover data isn’t split into whether they were fumbles for loss or interceptions. </a:t>
+            </a:r>
+          </a:p>
+          <a:p>
+            <a:endParaRPr lang="en-US" baseline="0" dirty="0"/>
+          </a:p>
+          <a:p>
+            <a:r>
+              <a:rPr lang="en-US" baseline="0" dirty="0"/>
+              <a:t>The explosive play data didn’t specify whether yards were lost before the explosive play happened within the same drive. </a:t>
+            </a:r>
+          </a:p>
+          <a:p>
+            <a:endParaRPr lang="en-US" baseline="0" dirty="0"/>
+          </a:p>
+          <a:p>
+            <a:r>
+              <a:rPr lang="en-US" baseline="0" dirty="0"/>
+              <a:t>Lastly, we did not analyze the data by conference or individual team</a:t>
             </a:r>
             <a:endParaRPr lang="en-US" dirty="0"/>
           </a:p>
@@ -2516,7 +2979,7 @@
           <a:p>
             <a:fld id="{C924FF18-1CE6-459D-A729-98FAD49C67B3}" type="datetimeFigureOut">
               <a:rPr lang="en-US" smtClean="0"/>
-              <a:t>8/2/2021</a:t>
+              <a:t>8/3/2021</a:t>
             </a:fld>
             <a:endParaRPr lang="en-US"/>
           </a:p>
@@ -2686,7 +3149,7 @@
           <a:p>
             <a:fld id="{C924FF18-1CE6-459D-A729-98FAD49C67B3}" type="datetimeFigureOut">
               <a:rPr lang="en-US" smtClean="0"/>
-              <a:t>8/2/2021</a:t>
+              <a:t>8/3/2021</a:t>
             </a:fld>
             <a:endParaRPr lang="en-US"/>
           </a:p>
@@ -2866,7 +3329,7 @@
           <a:p>
             <a:fld id="{C924FF18-1CE6-459D-A729-98FAD49C67B3}" type="datetimeFigureOut">
               <a:rPr lang="en-US" smtClean="0"/>
-              <a:t>8/2/2021</a:t>
+              <a:t>8/3/2021</a:t>
             </a:fld>
             <a:endParaRPr lang="en-US"/>
           </a:p>
@@ -3036,7 +3499,7 @@
           <a:p>
             <a:fld id="{C924FF18-1CE6-459D-A729-98FAD49C67B3}" type="datetimeFigureOut">
               <a:rPr lang="en-US" smtClean="0"/>
-              <a:t>8/2/2021</a:t>
+              <a:t>8/3/2021</a:t>
             </a:fld>
             <a:endParaRPr lang="en-US"/>
           </a:p>
@@ -3282,7 +3745,7 @@
           <a:p>
             <a:fld id="{C924FF18-1CE6-459D-A729-98FAD49C67B3}" type="datetimeFigureOut">
               <a:rPr lang="en-US" smtClean="0"/>
-              <a:t>8/2/2021</a:t>
+              <a:t>8/3/2021</a:t>
             </a:fld>
             <a:endParaRPr lang="en-US"/>
           </a:p>
@@ -3514,7 +3977,7 @@
           <a:p>
             <a:fld id="{C924FF18-1CE6-459D-A729-98FAD49C67B3}" type="datetimeFigureOut">
               <a:rPr lang="en-US" smtClean="0"/>
-              <a:t>8/2/2021</a:t>
+              <a:t>8/3/2021</a:t>
             </a:fld>
             <a:endParaRPr lang="en-US"/>
           </a:p>
@@ -3881,7 +4344,7 @@
           <a:p>
             <a:fld id="{C924FF18-1CE6-459D-A729-98FAD49C67B3}" type="datetimeFigureOut">
               <a:rPr lang="en-US" smtClean="0"/>
-              <a:t>8/2/2021</a:t>
+              <a:t>8/3/2021</a:t>
             </a:fld>
             <a:endParaRPr lang="en-US"/>
           </a:p>
@@ -3999,7 +4462,7 @@
           <a:p>
             <a:fld id="{C924FF18-1CE6-459D-A729-98FAD49C67B3}" type="datetimeFigureOut">
               <a:rPr lang="en-US" smtClean="0"/>
-              <a:t>8/2/2021</a:t>
+              <a:t>8/3/2021</a:t>
             </a:fld>
             <a:endParaRPr lang="en-US"/>
           </a:p>
@@ -4094,7 +4557,7 @@
           <a:p>
             <a:fld id="{C924FF18-1CE6-459D-A729-98FAD49C67B3}" type="datetimeFigureOut">
               <a:rPr lang="en-US" smtClean="0"/>
-              <a:t>8/2/2021</a:t>
+              <a:t>8/3/2021</a:t>
             </a:fld>
             <a:endParaRPr lang="en-US"/>
           </a:p>
@@ -4371,7 +4834,7 @@
           <a:p>
             <a:fld id="{C924FF18-1CE6-459D-A729-98FAD49C67B3}" type="datetimeFigureOut">
               <a:rPr lang="en-US" smtClean="0"/>
-              <a:t>8/2/2021</a:t>
+              <a:t>8/3/2021</a:t>
             </a:fld>
             <a:endParaRPr lang="en-US"/>
           </a:p>
@@ -4628,7 +5091,7 @@
           <a:p>
             <a:fld id="{C924FF18-1CE6-459D-A729-98FAD49C67B3}" type="datetimeFigureOut">
               <a:rPr lang="en-US" smtClean="0"/>
-              <a:t>8/2/2021</a:t>
+              <a:t>8/3/2021</a:t>
             </a:fld>
             <a:endParaRPr lang="en-US"/>
           </a:p>
@@ -4841,7 +5304,7 @@
           <a:p>
             <a:fld id="{C924FF18-1CE6-459D-A729-98FAD49C67B3}" type="datetimeFigureOut">
               <a:rPr lang="en-US" smtClean="0"/>
-              <a:t>8/2/2021</a:t>
+              <a:t>8/3/2021</a:t>
             </a:fld>
             <a:endParaRPr lang="en-US"/>
           </a:p>
@@ -6161,7 +6624,7 @@
             <a:pPr algn="ctr"/>
             <a:r>
               <a:rPr lang="en-US" sz="6000" dirty="0"/>
-              <a:t>Defense Wins Championships?</a:t>
+              <a:t>Defense Wins Championships</a:t>
             </a:r>
           </a:p>
         </p:txBody>
@@ -6201,6 +6664,422 @@
           </a:xfrm>
         </p:spPr>
       </p:pic>
+      <p:sp>
+        <p:nvSpPr>
+          <p:cNvPr id="3" name="Oval 2">
+            <a:extLst>
+              <a:ext uri="{FF2B5EF4-FFF2-40B4-BE49-F238E27FC236}">
+                <a16:creationId xmlns:a16="http://schemas.microsoft.com/office/drawing/2014/main" id="{961424EF-6156-4877-9C70-44BC0AE31906}"/>
+              </a:ext>
+            </a:extLst>
+          </p:cNvPr>
+          <p:cNvSpPr/>
+          <p:nvPr/>
+        </p:nvSpPr>
+        <p:spPr>
+          <a:xfrm>
+            <a:off x="3807726" y="5167312"/>
+            <a:ext cx="245659" cy="232012"/>
+          </a:xfrm>
+          <a:prstGeom prst="ellipse">
+            <a:avLst/>
+          </a:prstGeom>
+          <a:noFill/>
+          <a:ln w="38100">
+            <a:solidFill>
+              <a:srgbClr val="FF0000"/>
+            </a:solidFill>
+          </a:ln>
+        </p:spPr>
+        <p:style>
+          <a:lnRef idx="2">
+            <a:schemeClr val="accent1">
+              <a:shade val="50000"/>
+            </a:schemeClr>
+          </a:lnRef>
+          <a:fillRef idx="1">
+            <a:schemeClr val="accent1"/>
+          </a:fillRef>
+          <a:effectRef idx="0">
+            <a:schemeClr val="accent1"/>
+          </a:effectRef>
+          <a:fontRef idx="minor">
+            <a:schemeClr val="lt1"/>
+          </a:fontRef>
+        </p:style>
+        <p:txBody>
+          <a:bodyPr rtlCol="0" anchor="ctr"/>
+          <a:lstStyle/>
+          <a:p>
+            <a:pPr algn="ctr"/>
+            <a:endParaRPr lang="en-US"/>
+          </a:p>
+        </p:txBody>
+      </p:sp>
+      <p:sp>
+        <p:nvSpPr>
+          <p:cNvPr id="5" name="Oval 4">
+            <a:extLst>
+              <a:ext uri="{FF2B5EF4-FFF2-40B4-BE49-F238E27FC236}">
+                <a16:creationId xmlns:a16="http://schemas.microsoft.com/office/drawing/2014/main" id="{DA5F23C7-D6A3-4AE0-91B6-91D2F41C42C1}"/>
+              </a:ext>
+            </a:extLst>
+          </p:cNvPr>
+          <p:cNvSpPr/>
+          <p:nvPr/>
+        </p:nvSpPr>
+        <p:spPr>
+          <a:xfrm>
+            <a:off x="5029377" y="5399324"/>
+            <a:ext cx="245659" cy="232012"/>
+          </a:xfrm>
+          <a:prstGeom prst="ellipse">
+            <a:avLst/>
+          </a:prstGeom>
+          <a:noFill/>
+          <a:ln w="38100">
+            <a:solidFill>
+              <a:srgbClr val="FF0000"/>
+            </a:solidFill>
+          </a:ln>
+        </p:spPr>
+        <p:style>
+          <a:lnRef idx="2">
+            <a:schemeClr val="accent1">
+              <a:shade val="50000"/>
+            </a:schemeClr>
+          </a:lnRef>
+          <a:fillRef idx="1">
+            <a:schemeClr val="accent1"/>
+          </a:fillRef>
+          <a:effectRef idx="0">
+            <a:schemeClr val="accent1"/>
+          </a:effectRef>
+          <a:fontRef idx="minor">
+            <a:schemeClr val="lt1"/>
+          </a:fontRef>
+        </p:style>
+        <p:txBody>
+          <a:bodyPr rtlCol="0" anchor="ctr"/>
+          <a:lstStyle/>
+          <a:p>
+            <a:pPr algn="ctr"/>
+            <a:endParaRPr lang="en-US"/>
+          </a:p>
+        </p:txBody>
+      </p:sp>
+      <p:sp>
+        <p:nvSpPr>
+          <p:cNvPr id="6" name="Oval 5">
+            <a:extLst>
+              <a:ext uri="{FF2B5EF4-FFF2-40B4-BE49-F238E27FC236}">
+                <a16:creationId xmlns:a16="http://schemas.microsoft.com/office/drawing/2014/main" id="{44964CCE-D179-4C8C-A47F-B9DA35152506}"/>
+              </a:ext>
+            </a:extLst>
+          </p:cNvPr>
+          <p:cNvSpPr/>
+          <p:nvPr/>
+        </p:nvSpPr>
+        <p:spPr>
+          <a:xfrm>
+            <a:off x="4615847" y="5269030"/>
+            <a:ext cx="245659" cy="232012"/>
+          </a:xfrm>
+          <a:prstGeom prst="ellipse">
+            <a:avLst/>
+          </a:prstGeom>
+          <a:noFill/>
+          <a:ln w="38100">
+            <a:solidFill>
+              <a:srgbClr val="FF0000"/>
+            </a:solidFill>
+          </a:ln>
+        </p:spPr>
+        <p:style>
+          <a:lnRef idx="2">
+            <a:schemeClr val="accent1">
+              <a:shade val="50000"/>
+            </a:schemeClr>
+          </a:lnRef>
+          <a:fillRef idx="1">
+            <a:schemeClr val="accent1"/>
+          </a:fillRef>
+          <a:effectRef idx="0">
+            <a:schemeClr val="accent1"/>
+          </a:effectRef>
+          <a:fontRef idx="minor">
+            <a:schemeClr val="lt1"/>
+          </a:fontRef>
+        </p:style>
+        <p:txBody>
+          <a:bodyPr rtlCol="0" anchor="ctr"/>
+          <a:lstStyle/>
+          <a:p>
+            <a:pPr algn="ctr"/>
+            <a:endParaRPr lang="en-US"/>
+          </a:p>
+        </p:txBody>
+      </p:sp>
+      <p:sp>
+        <p:nvSpPr>
+          <p:cNvPr id="7" name="Oval 6">
+            <a:extLst>
+              <a:ext uri="{FF2B5EF4-FFF2-40B4-BE49-F238E27FC236}">
+                <a16:creationId xmlns:a16="http://schemas.microsoft.com/office/drawing/2014/main" id="{1650B397-EC4D-45B3-B9EB-DEE1E3DBD05B}"/>
+              </a:ext>
+            </a:extLst>
+          </p:cNvPr>
+          <p:cNvSpPr/>
+          <p:nvPr/>
+        </p:nvSpPr>
+        <p:spPr>
+          <a:xfrm>
+            <a:off x="6616715" y="5523149"/>
+            <a:ext cx="245659" cy="232012"/>
+          </a:xfrm>
+          <a:prstGeom prst="ellipse">
+            <a:avLst/>
+          </a:prstGeom>
+          <a:noFill/>
+          <a:ln w="38100">
+            <a:solidFill>
+              <a:srgbClr val="FF0000"/>
+            </a:solidFill>
+          </a:ln>
+        </p:spPr>
+        <p:style>
+          <a:lnRef idx="2">
+            <a:schemeClr val="accent1">
+              <a:shade val="50000"/>
+            </a:schemeClr>
+          </a:lnRef>
+          <a:fillRef idx="1">
+            <a:schemeClr val="accent1"/>
+          </a:fillRef>
+          <a:effectRef idx="0">
+            <a:schemeClr val="accent1"/>
+          </a:effectRef>
+          <a:fontRef idx="minor">
+            <a:schemeClr val="lt1"/>
+          </a:fontRef>
+        </p:style>
+        <p:txBody>
+          <a:bodyPr rtlCol="0" anchor="ctr"/>
+          <a:lstStyle/>
+          <a:p>
+            <a:pPr algn="ctr"/>
+            <a:endParaRPr lang="en-US"/>
+          </a:p>
+        </p:txBody>
+      </p:sp>
+      <p:sp>
+        <p:nvSpPr>
+          <p:cNvPr id="8" name="Oval 7">
+            <a:extLst>
+              <a:ext uri="{FF2B5EF4-FFF2-40B4-BE49-F238E27FC236}">
+                <a16:creationId xmlns:a16="http://schemas.microsoft.com/office/drawing/2014/main" id="{D66985B0-1644-4BC5-B8ED-5E1BE19D76A2}"/>
+              </a:ext>
+            </a:extLst>
+          </p:cNvPr>
+          <p:cNvSpPr/>
+          <p:nvPr/>
+        </p:nvSpPr>
+        <p:spPr>
+          <a:xfrm>
+            <a:off x="9020996" y="5572550"/>
+            <a:ext cx="245659" cy="232012"/>
+          </a:xfrm>
+          <a:prstGeom prst="ellipse">
+            <a:avLst/>
+          </a:prstGeom>
+          <a:noFill/>
+          <a:ln w="38100">
+            <a:solidFill>
+              <a:srgbClr val="FF0000"/>
+            </a:solidFill>
+          </a:ln>
+        </p:spPr>
+        <p:style>
+          <a:lnRef idx="2">
+            <a:schemeClr val="accent1">
+              <a:shade val="50000"/>
+            </a:schemeClr>
+          </a:lnRef>
+          <a:fillRef idx="1">
+            <a:schemeClr val="accent1"/>
+          </a:fillRef>
+          <a:effectRef idx="0">
+            <a:schemeClr val="accent1"/>
+          </a:effectRef>
+          <a:fontRef idx="minor">
+            <a:schemeClr val="lt1"/>
+          </a:fontRef>
+        </p:style>
+        <p:txBody>
+          <a:bodyPr rtlCol="0" anchor="ctr"/>
+          <a:lstStyle/>
+          <a:p>
+            <a:pPr algn="ctr"/>
+            <a:endParaRPr lang="en-US"/>
+          </a:p>
+        </p:txBody>
+      </p:sp>
+      <p:sp>
+        <p:nvSpPr>
+          <p:cNvPr id="10" name="Oval 9">
+            <a:extLst>
+              <a:ext uri="{FF2B5EF4-FFF2-40B4-BE49-F238E27FC236}">
+                <a16:creationId xmlns:a16="http://schemas.microsoft.com/office/drawing/2014/main" id="{B669AD81-6E98-41C0-B3B5-383B7D10AA6A}"/>
+              </a:ext>
+            </a:extLst>
+          </p:cNvPr>
+          <p:cNvSpPr/>
+          <p:nvPr/>
+        </p:nvSpPr>
+        <p:spPr>
+          <a:xfrm>
+            <a:off x="8206706" y="5255467"/>
+            <a:ext cx="245659" cy="232012"/>
+          </a:xfrm>
+          <a:prstGeom prst="ellipse">
+            <a:avLst/>
+          </a:prstGeom>
+          <a:noFill/>
+          <a:ln w="38100">
+            <a:solidFill>
+              <a:srgbClr val="FF0000"/>
+            </a:solidFill>
+          </a:ln>
+        </p:spPr>
+        <p:style>
+          <a:lnRef idx="2">
+            <a:schemeClr val="accent1">
+              <a:shade val="50000"/>
+            </a:schemeClr>
+          </a:lnRef>
+          <a:fillRef idx="1">
+            <a:schemeClr val="accent1"/>
+          </a:fillRef>
+          <a:effectRef idx="0">
+            <a:schemeClr val="accent1"/>
+          </a:effectRef>
+          <a:fontRef idx="minor">
+            <a:schemeClr val="lt1"/>
+          </a:fontRef>
+        </p:style>
+        <p:txBody>
+          <a:bodyPr rtlCol="0" anchor="ctr"/>
+          <a:lstStyle/>
+          <a:p>
+            <a:pPr algn="ctr"/>
+            <a:endParaRPr lang="en-US"/>
+          </a:p>
+        </p:txBody>
+      </p:sp>
+      <p:sp>
+        <p:nvSpPr>
+          <p:cNvPr id="11" name="Oval 10">
+            <a:extLst>
+              <a:ext uri="{FF2B5EF4-FFF2-40B4-BE49-F238E27FC236}">
+                <a16:creationId xmlns:a16="http://schemas.microsoft.com/office/drawing/2014/main" id="{390FD54A-8B82-45BC-88EB-0ED5ACA74ACD}"/>
+              </a:ext>
+            </a:extLst>
+          </p:cNvPr>
+          <p:cNvSpPr/>
+          <p:nvPr/>
+        </p:nvSpPr>
+        <p:spPr>
+          <a:xfrm>
+            <a:off x="7815018" y="4539515"/>
+            <a:ext cx="245659" cy="232012"/>
+          </a:xfrm>
+          <a:prstGeom prst="ellipse">
+            <a:avLst/>
+          </a:prstGeom>
+          <a:noFill/>
+          <a:ln w="38100">
+            <a:solidFill>
+              <a:srgbClr val="FF0000"/>
+            </a:solidFill>
+          </a:ln>
+        </p:spPr>
+        <p:style>
+          <a:lnRef idx="2">
+            <a:schemeClr val="accent1">
+              <a:shade val="50000"/>
+            </a:schemeClr>
+          </a:lnRef>
+          <a:fillRef idx="1">
+            <a:schemeClr val="accent1"/>
+          </a:fillRef>
+          <a:effectRef idx="0">
+            <a:schemeClr val="accent1"/>
+          </a:effectRef>
+          <a:fontRef idx="minor">
+            <a:schemeClr val="lt1"/>
+          </a:fontRef>
+        </p:style>
+        <p:txBody>
+          <a:bodyPr rtlCol="0" anchor="ctr"/>
+          <a:lstStyle/>
+          <a:p>
+            <a:pPr algn="ctr"/>
+            <a:endParaRPr lang="en-US"/>
+          </a:p>
+        </p:txBody>
+      </p:sp>
+      <p:sp>
+        <p:nvSpPr>
+          <p:cNvPr id="12" name="Oval 11">
+            <a:extLst>
+              <a:ext uri="{FF2B5EF4-FFF2-40B4-BE49-F238E27FC236}">
+                <a16:creationId xmlns:a16="http://schemas.microsoft.com/office/drawing/2014/main" id="{28D287AE-0F77-41A3-B378-7CA0C01BA00C}"/>
+              </a:ext>
+            </a:extLst>
+          </p:cNvPr>
+          <p:cNvSpPr/>
+          <p:nvPr/>
+        </p:nvSpPr>
+        <p:spPr>
+          <a:xfrm>
+            <a:off x="8620236" y="5161483"/>
+            <a:ext cx="245659" cy="232012"/>
+          </a:xfrm>
+          <a:prstGeom prst="ellipse">
+            <a:avLst/>
+          </a:prstGeom>
+          <a:noFill/>
+          <a:ln w="38100">
+            <a:solidFill>
+              <a:srgbClr val="FF0000"/>
+            </a:solidFill>
+          </a:ln>
+        </p:spPr>
+        <p:style>
+          <a:lnRef idx="2">
+            <a:schemeClr val="accent1">
+              <a:shade val="50000"/>
+            </a:schemeClr>
+          </a:lnRef>
+          <a:fillRef idx="1">
+            <a:schemeClr val="accent1"/>
+          </a:fillRef>
+          <a:effectRef idx="0">
+            <a:schemeClr val="accent1"/>
+          </a:effectRef>
+          <a:fontRef idx="minor">
+            <a:schemeClr val="lt1"/>
+          </a:fontRef>
+        </p:style>
+        <p:txBody>
+          <a:bodyPr rtlCol="0" anchor="ctr"/>
+          <a:lstStyle/>
+          <a:p>
+            <a:pPr algn="ctr"/>
+            <a:endParaRPr lang="en-US"/>
+          </a:p>
+        </p:txBody>
+      </p:sp>
     </p:spTree>
     <p:extLst>
       <p:ext uri="{BB962C8B-B14F-4D97-AF65-F5344CB8AC3E}">
@@ -6272,7 +7151,12 @@
             <p:ph idx="1"/>
           </p:nvPr>
         </p:nvSpPr>
-        <p:spPr/>
+        <p:spPr>
+          <a:xfrm>
+            <a:off x="409433" y="1569493"/>
+            <a:ext cx="11409527" cy="4923382"/>
+          </a:xfrm>
+        </p:spPr>
         <p:txBody>
           <a:bodyPr>
             <a:normAutofit lnSpcReduction="10000"/>
@@ -6288,7 +7172,7 @@
             <a:pPr lvl="1"/>
             <a:r>
               <a:rPr lang="en-US" dirty="0"/>
-              <a:t>Defensive value may be decreasing as the years progress and may be less important to the success of a team</a:t>
+              <a:t>Defensive value may be decreasing as the years progress</a:t>
             </a:r>
           </a:p>
           <a:p>
@@ -6308,7 +7192,7 @@
             <a:pPr lvl="1"/>
             <a:r>
               <a:rPr lang="en-US" dirty="0"/>
-              <a:t>The apparent value of defensive players may be harmed by this trend</a:t>
+              <a:t>The apparent value of defensive players may be harmed by this trend, though a high caliber defense may still be important to having a high achieving team</a:t>
             </a:r>
           </a:p>
           <a:p>
@@ -6329,6 +7213,13 @@
             <a:r>
               <a:rPr lang="en-US" dirty="0"/>
               <a:t>Investigate how the speed of gameplay has changed over time and its affects on offense and defense</a:t>
+            </a:r>
+          </a:p>
+          <a:p>
+            <a:pPr lvl="1"/>
+            <a:r>
+              <a:rPr lang="en-US" dirty="0"/>
+              <a:t>Investigate the relationship between strength of defense and team performance</a:t>
             </a:r>
           </a:p>
           <a:p>
@@ -6416,13 +7307,13 @@
           <a:p>
             <a:r>
               <a:rPr lang="en-US" dirty="0"/>
-              <a:t>Prior to 2004 some statistics not available</a:t>
+              <a:t>Prior to 2004, some statistics not available</a:t>
             </a:r>
           </a:p>
           <a:p>
             <a:r>
               <a:rPr lang="en-US" dirty="0"/>
-              <a:t>Analysis does not account for rule changes which over time may be causal factor not analyzed</a:t>
+              <a:t>Analysis does not account for rule changes which over time may be a causal factor </a:t>
             </a:r>
           </a:p>
           <a:p>
@@ -6778,7 +7669,7 @@
             </a:pPr>
             <a:r>
               <a:rPr lang="en-US" sz="3600" dirty="0"/>
-              <a:t>The NCAA is interested in how college football games are evolving over time to determine if changes are needed to increase its popularity.  The NCAA wants to start by defining the direction of defense in college football and its effect on the game. We have been contracted to analyze the last 17 years of college football data to determine if the value of defense is diminishing.</a:t>
+              <a:t>The NCAA is interested in how college football games are evolving over time to determine if changes are needed to increase its popularity.  The NCAA wants to start by determining the direction of defense in college football and its effect on the game. We have been contracted to analyze the last 17 years of college football data to determine if the value of defense is diminishing.</a:t>
             </a:r>
           </a:p>
         </p:txBody>

--- a/Bootcamp _Campstone1_Project.pptx
+++ b/Bootcamp _Campstone1_Project.pptx
@@ -135,7 +135,7 @@
 <file path=ppt/revisionInfo.xml><?xml version="1.0" encoding="utf-8"?>
 <p1510:revInfo xmlns:a="http://schemas.openxmlformats.org/drawingml/2006/main" xmlns:r="http://schemas.openxmlformats.org/officeDocument/2006/relationships" xmlns:p1510="http://schemas.microsoft.com/office/powerpoint/2015/10/main">
   <p1510:revLst>
-    <p1510:client id="{BED68BDC-8325-4F28-B18B-6D18BF1EA9CF}" v="22" dt="2021-08-03T19:30:59.783"/>
+    <p1510:client id="{BED68BDC-8325-4F28-B18B-6D18BF1EA9CF}" v="24" dt="2021-08-03T20:03:32.858"/>
   </p1510:revLst>
 </p1510:revInfo>
 </file>
@@ -145,7 +145,7 @@
   <pc:docChgLst>
     <pc:chgData name="Hutula, Karina" userId="76360105-4658-44a5-a2e4-d25da711b3ec" providerId="ADAL" clId="{BED68BDC-8325-4F28-B18B-6D18BF1EA9CF}"/>
     <pc:docChg chg="undo custSel addSld modSld sldOrd">
-      <pc:chgData name="Hutula, Karina" userId="76360105-4658-44a5-a2e4-d25da711b3ec" providerId="ADAL" clId="{BED68BDC-8325-4F28-B18B-6D18BF1EA9CF}" dt="2021-08-03T19:37:56.651" v="2411"/>
+      <pc:chgData name="Hutula, Karina" userId="76360105-4658-44a5-a2e4-d25da711b3ec" providerId="ADAL" clId="{BED68BDC-8325-4F28-B18B-6D18BF1EA9CF}" dt="2021-08-03T20:06:54.998" v="2438" actId="20577"/>
       <pc:docMkLst>
         <pc:docMk/>
       </pc:docMkLst>
@@ -172,7 +172,7 @@
         </pc:sldMkLst>
       </pc:sldChg>
       <pc:sldChg chg="modNotesTx">
-        <pc:chgData name="Hutula, Karina" userId="76360105-4658-44a5-a2e4-d25da711b3ec" providerId="ADAL" clId="{BED68BDC-8325-4F28-B18B-6D18BF1EA9CF}" dt="2021-08-03T19:32:44.746" v="1890" actId="20577"/>
+        <pc:chgData name="Hutula, Karina" userId="76360105-4658-44a5-a2e4-d25da711b3ec" providerId="ADAL" clId="{BED68BDC-8325-4F28-B18B-6D18BF1EA9CF}" dt="2021-08-03T20:06:54.998" v="2438" actId="20577"/>
         <pc:sldMkLst>
           <pc:docMk/>
           <pc:sldMk cId="995707058" sldId="266"/>
@@ -281,7 +281,7 @@
         </pc:spChg>
       </pc:sldChg>
       <pc:sldChg chg="ord modNotesTx">
-        <pc:chgData name="Hutula, Karina" userId="76360105-4658-44a5-a2e4-d25da711b3ec" providerId="ADAL" clId="{BED68BDC-8325-4F28-B18B-6D18BF1EA9CF}" dt="2021-08-03T18:48:19.301" v="736" actId="20577"/>
+        <pc:chgData name="Hutula, Karina" userId="76360105-4658-44a5-a2e4-d25da711b3ec" providerId="ADAL" clId="{BED68BDC-8325-4F28-B18B-6D18BF1EA9CF}" dt="2021-08-03T20:05:38.459" v="2421" actId="20577"/>
         <pc:sldMkLst>
           <pc:docMk/>
           <pc:sldMk cId="221715228" sldId="274"/>
@@ -295,13 +295,13 @@
         </pc:sldMkLst>
       </pc:sldChg>
       <pc:sldChg chg="modSp mod ord">
-        <pc:chgData name="Hutula, Karina" userId="76360105-4658-44a5-a2e4-d25da711b3ec" providerId="ADAL" clId="{BED68BDC-8325-4F28-B18B-6D18BF1EA9CF}" dt="2021-08-03T19:37:39.451" v="2409"/>
+        <pc:chgData name="Hutula, Karina" userId="76360105-4658-44a5-a2e4-d25da711b3ec" providerId="ADAL" clId="{BED68BDC-8325-4F28-B18B-6D18BF1EA9CF}" dt="2021-08-03T20:03:32.858" v="2415" actId="20578"/>
         <pc:sldMkLst>
           <pc:docMk/>
           <pc:sldMk cId="1311034072" sldId="276"/>
         </pc:sldMkLst>
         <pc:spChg chg="mod">
-          <ac:chgData name="Hutula, Karina" userId="76360105-4658-44a5-a2e4-d25da711b3ec" providerId="ADAL" clId="{BED68BDC-8325-4F28-B18B-6D18BF1EA9CF}" dt="2021-08-03T19:13:48.226" v="1493" actId="27636"/>
+          <ac:chgData name="Hutula, Karina" userId="76360105-4658-44a5-a2e4-d25da711b3ec" providerId="ADAL" clId="{BED68BDC-8325-4F28-B18B-6D18BF1EA9CF}" dt="2021-08-03T20:03:32.858" v="2415" actId="20578"/>
           <ac:spMkLst>
             <pc:docMk/>
             <pc:sldMk cId="1311034072" sldId="276"/>
@@ -1162,11 +1162,140 @@
             </a:pPr>
             <a:r>
               <a:rPr lang="en-US" dirty="0"/>
-              <a:t>Along with our thoughts on punts, we believed we would see less plays for loss over time because of the increase in offensive yards. This chart, however, shows a moderately correlated, increasing trend over time.  Though this trend is contrary to our hypothesis, </a:t>
+              <a:t>Along with our thoughts on punts, we believed we would see less plays for loss over time because of the increase in offensive yards. </a:t>
+            </a:r>
+          </a:p>
+          <a:p>
+            <a:pPr marL="0" marR="0" lvl="0" indent="0" algn="l" defTabSz="914400" rtl="0" eaLnBrk="1" fontAlgn="auto" latinLnBrk="0" hangingPunct="1">
+              <a:lnSpc>
+                <a:spcPct val="100000"/>
+              </a:lnSpc>
+              <a:spcBef>
+                <a:spcPts val="0"/>
+              </a:spcBef>
+              <a:spcAft>
+                <a:spcPts val="0"/>
+              </a:spcAft>
+              <a:buClrTx/>
+              <a:buSzTx/>
+              <a:buFontTx/>
+              <a:buNone/>
+              <a:tabLst/>
+              <a:defRPr/>
+            </a:pPr>
+            <a:endParaRPr lang="en-US" dirty="0"/>
+          </a:p>
+          <a:p>
+            <a:pPr marL="0" marR="0" lvl="0" indent="0" algn="l" defTabSz="914400" rtl="0" eaLnBrk="1" fontAlgn="auto" latinLnBrk="0" hangingPunct="1">
+              <a:lnSpc>
+                <a:spcPct val="100000"/>
+              </a:lnSpc>
+              <a:spcBef>
+                <a:spcPts val="0"/>
+              </a:spcBef>
+              <a:spcAft>
+                <a:spcPts val="0"/>
+              </a:spcAft>
+              <a:buClrTx/>
+              <a:buSzTx/>
+              <a:buFontTx/>
+              <a:buNone/>
+              <a:tabLst/>
+              <a:defRPr/>
+            </a:pPr>
+            <a:r>
+              <a:rPr lang="en-US" dirty="0"/>
+              <a:t>This chart, however, shows a moderately correlated, increasing trend over time.  </a:t>
+            </a:r>
+          </a:p>
+          <a:p>
+            <a:pPr marL="0" marR="0" lvl="0" indent="0" algn="l" defTabSz="914400" rtl="0" eaLnBrk="1" fontAlgn="auto" latinLnBrk="0" hangingPunct="1">
+              <a:lnSpc>
+                <a:spcPct val="100000"/>
+              </a:lnSpc>
+              <a:spcBef>
+                <a:spcPts val="0"/>
+              </a:spcBef>
+              <a:spcAft>
+                <a:spcPts val="0"/>
+              </a:spcAft>
+              <a:buClrTx/>
+              <a:buSzTx/>
+              <a:buFontTx/>
+              <a:buNone/>
+              <a:tabLst/>
+              <a:defRPr/>
+            </a:pPr>
+            <a:endParaRPr lang="en-US" dirty="0"/>
+          </a:p>
+          <a:p>
+            <a:pPr marL="0" marR="0" lvl="0" indent="0" algn="l" defTabSz="914400" rtl="0" eaLnBrk="1" fontAlgn="auto" latinLnBrk="0" hangingPunct="1">
+              <a:lnSpc>
+                <a:spcPct val="100000"/>
+              </a:lnSpc>
+              <a:spcBef>
+                <a:spcPts val="0"/>
+              </a:spcBef>
+              <a:spcAft>
+                <a:spcPts val="0"/>
+              </a:spcAft>
+              <a:buClrTx/>
+              <a:buSzTx/>
+              <a:buFontTx/>
+              <a:buNone/>
+              <a:tabLst/>
+              <a:defRPr/>
+            </a:pPr>
+            <a:r>
+              <a:rPr lang="en-US" dirty="0"/>
+              <a:t>Though this trend is contrary to our hypothesis, </a:t>
             </a:r>
             <a:r>
               <a:rPr lang="en-US" baseline="0" dirty="0"/>
-              <a:t>plays for loss could be a result of more possessions by the offense or an increase game speed, which leads to more plays overall. Further analysis would be needed to investigate if the pace of play is changing and how it may be impacting the game.</a:t>
+              <a:t>plays for loss could be a result of more possessions by the offense or an increase game speed, which leads to more plays overall. </a:t>
+            </a:r>
+          </a:p>
+          <a:p>
+            <a:pPr marL="0" marR="0" lvl="0" indent="0" algn="l" defTabSz="914400" rtl="0" eaLnBrk="1" fontAlgn="auto" latinLnBrk="0" hangingPunct="1">
+              <a:lnSpc>
+                <a:spcPct val="100000"/>
+              </a:lnSpc>
+              <a:spcBef>
+                <a:spcPts val="0"/>
+              </a:spcBef>
+              <a:spcAft>
+                <a:spcPts val="0"/>
+              </a:spcAft>
+              <a:buClrTx/>
+              <a:buSzTx/>
+              <a:buFontTx/>
+              <a:buNone/>
+              <a:tabLst/>
+              <a:defRPr/>
+            </a:pPr>
+            <a:endParaRPr lang="en-US" baseline="0" dirty="0"/>
+          </a:p>
+          <a:p>
+            <a:pPr marL="0" marR="0" lvl="0" indent="0" algn="l" defTabSz="914400" rtl="0" eaLnBrk="1" fontAlgn="auto" latinLnBrk="0" hangingPunct="1">
+              <a:lnSpc>
+                <a:spcPct val="100000"/>
+              </a:lnSpc>
+              <a:spcBef>
+                <a:spcPts val="0"/>
+              </a:spcBef>
+              <a:spcAft>
+                <a:spcPts val="0"/>
+              </a:spcAft>
+              <a:buClrTx/>
+              <a:buSzTx/>
+              <a:buFontTx/>
+              <a:buNone/>
+              <a:tabLst/>
+              <a:defRPr/>
+            </a:pPr>
+            <a:r>
+              <a:rPr lang="en-US" baseline="0" dirty="0"/>
+              <a:t>Further analysis would be needed to investigate if the pace of play is changing and how it may be impacting the game.</a:t>
             </a:r>
             <a:endParaRPr lang="en-US" dirty="0"/>
           </a:p>
@@ -1309,7 +1438,7 @@
           <a:p>
             <a:r>
               <a:rPr lang="en-US" dirty="0"/>
-              <a:t>Our expectation was that explosive plays would be increasing over the years, and we’ve been proven correct with a correlation of 0.95.</a:t>
+              <a:t>Our expectation was that explosive plays would be increasing over the years, and we’ve been proven correct with a strong, positive correlation of 0.95.</a:t>
             </a:r>
           </a:p>
         </p:txBody>
